--- a/An Analysis of Epilepsy and Neurological Mortality.pptx
+++ b/An Analysis of Epilepsy and Neurological Mortality.pptx
@@ -35420,7 +35420,7 @@
             </a:pPr>
             <a:r>
               <a:rPr lang="en" dirty="0"/>
-              <a:t>On average frequency of cases</a:t>
+              <a:t>Average frequency of mortality cases</a:t>
             </a:r>
             <a:endParaRPr dirty="0"/>
           </a:p>
